--- a/images/theory_analysis/Argo_CD/Argo_CD.pptx
+++ b/images/theory_analysis/Argo_CD/Argo_CD.pptx
@@ -5,12 +5,11 @@
     <p:sldMasterId id="2147483648" r:id="rId1"/>
   </p:sldMasterIdLst>
   <p:notesMasterIdLst>
-    <p:notesMasterId r:id="rId5"/>
+    <p:notesMasterId r:id="rId4"/>
   </p:notesMasterIdLst>
   <p:sldIdLst>
     <p:sldId id="362" r:id="rId2"/>
     <p:sldId id="364" r:id="rId3"/>
-    <p:sldId id="363" r:id="rId4"/>
   </p:sldIdLst>
   <p:sldSz cx="9144000" cy="5143500" type="screen16x9"/>
   <p:notesSz cx="6858000" cy="9144000"/>
@@ -215,7 +214,7 @@
           <a:p>
             <a:fld id="{6CD5550B-26C4-49A9-A5BA-636EF7BE6CE9}" type="datetimeFigureOut">
               <a:rPr lang="ko-KR" altLang="en-US" smtClean="0"/>
-              <a:t>2020-06-15</a:t>
+              <a:t>2020-06-16</a:t>
             </a:fld>
             <a:endParaRPr lang="ko-KR" altLang="en-US"/>
           </a:p>
@@ -661,7 +660,7 @@
           <a:p>
             <a:fld id="{FB30EDBD-1C2D-4C1E-B459-B60219FAB484}" type="datetimeFigureOut">
               <a:rPr lang="ko-KR" altLang="en-US" smtClean="0"/>
-              <a:t>2020-06-15</a:t>
+              <a:t>2020-06-16</a:t>
             </a:fld>
             <a:endParaRPr lang="ko-KR" altLang="en-US"/>
           </a:p>
@@ -824,7 +823,7 @@
           <a:p>
             <a:fld id="{FB30EDBD-1C2D-4C1E-B459-B60219FAB484}" type="datetimeFigureOut">
               <a:rPr lang="ko-KR" altLang="en-US" smtClean="0"/>
-              <a:t>2020-06-15</a:t>
+              <a:t>2020-06-16</a:t>
             </a:fld>
             <a:endParaRPr lang="ko-KR" altLang="en-US"/>
           </a:p>
@@ -997,7 +996,7 @@
           <a:p>
             <a:fld id="{FB30EDBD-1C2D-4C1E-B459-B60219FAB484}" type="datetimeFigureOut">
               <a:rPr lang="ko-KR" altLang="en-US" smtClean="0"/>
-              <a:t>2020-06-15</a:t>
+              <a:t>2020-06-16</a:t>
             </a:fld>
             <a:endParaRPr lang="ko-KR" altLang="en-US"/>
           </a:p>
@@ -1160,7 +1159,7 @@
           <a:p>
             <a:fld id="{FB30EDBD-1C2D-4C1E-B459-B60219FAB484}" type="datetimeFigureOut">
               <a:rPr lang="ko-KR" altLang="en-US" smtClean="0"/>
-              <a:t>2020-06-15</a:t>
+              <a:t>2020-06-16</a:t>
             </a:fld>
             <a:endParaRPr lang="ko-KR" altLang="en-US"/>
           </a:p>
@@ -1400,7 +1399,7 @@
           <a:p>
             <a:fld id="{FB30EDBD-1C2D-4C1E-B459-B60219FAB484}" type="datetimeFigureOut">
               <a:rPr lang="ko-KR" altLang="en-US" smtClean="0"/>
-              <a:t>2020-06-15</a:t>
+              <a:t>2020-06-16</a:t>
             </a:fld>
             <a:endParaRPr lang="ko-KR" altLang="en-US"/>
           </a:p>
@@ -1680,7 +1679,7 @@
           <a:p>
             <a:fld id="{FB30EDBD-1C2D-4C1E-B459-B60219FAB484}" type="datetimeFigureOut">
               <a:rPr lang="ko-KR" altLang="en-US" smtClean="0"/>
-              <a:t>2020-06-15</a:t>
+              <a:t>2020-06-16</a:t>
             </a:fld>
             <a:endParaRPr lang="ko-KR" altLang="en-US"/>
           </a:p>
@@ -2094,7 +2093,7 @@
           <a:p>
             <a:fld id="{FB30EDBD-1C2D-4C1E-B459-B60219FAB484}" type="datetimeFigureOut">
               <a:rPr lang="ko-KR" altLang="en-US" smtClean="0"/>
-              <a:t>2020-06-15</a:t>
+              <a:t>2020-06-16</a:t>
             </a:fld>
             <a:endParaRPr lang="ko-KR" altLang="en-US"/>
           </a:p>
@@ -2206,7 +2205,7 @@
           <a:p>
             <a:fld id="{FB30EDBD-1C2D-4C1E-B459-B60219FAB484}" type="datetimeFigureOut">
               <a:rPr lang="ko-KR" altLang="en-US" smtClean="0"/>
-              <a:t>2020-06-15</a:t>
+              <a:t>2020-06-16</a:t>
             </a:fld>
             <a:endParaRPr lang="ko-KR" altLang="en-US"/>
           </a:p>
@@ -2296,7 +2295,7 @@
           <a:p>
             <a:fld id="{FB30EDBD-1C2D-4C1E-B459-B60219FAB484}" type="datetimeFigureOut">
               <a:rPr lang="ko-KR" altLang="en-US" smtClean="0"/>
-              <a:t>2020-06-15</a:t>
+              <a:t>2020-06-16</a:t>
             </a:fld>
             <a:endParaRPr lang="ko-KR" altLang="en-US"/>
           </a:p>
@@ -2566,7 +2565,7 @@
           <a:p>
             <a:fld id="{FB30EDBD-1C2D-4C1E-B459-B60219FAB484}" type="datetimeFigureOut">
               <a:rPr lang="ko-KR" altLang="en-US" smtClean="0"/>
-              <a:t>2020-06-15</a:t>
+              <a:t>2020-06-16</a:t>
             </a:fld>
             <a:endParaRPr lang="ko-KR" altLang="en-US"/>
           </a:p>
@@ -2813,7 +2812,7 @@
           <a:p>
             <a:fld id="{FB30EDBD-1C2D-4C1E-B459-B60219FAB484}" type="datetimeFigureOut">
               <a:rPr lang="ko-KR" altLang="en-US" smtClean="0"/>
-              <a:t>2020-06-15</a:t>
+              <a:t>2020-06-16</a:t>
             </a:fld>
             <a:endParaRPr lang="ko-KR" altLang="en-US"/>
           </a:p>
@@ -3019,7 +3018,7 @@
           <a:p>
             <a:fld id="{FB30EDBD-1C2D-4C1E-B459-B60219FAB484}" type="datetimeFigureOut">
               <a:rPr lang="ko-KR" altLang="en-US" smtClean="0"/>
-              <a:t>2020-06-15</a:t>
+              <a:t>2020-06-16</a:t>
             </a:fld>
             <a:endParaRPr lang="ko-KR" altLang="en-US"/>
           </a:p>
@@ -3571,8 +3570,8 @@
         </p:nvSpPr>
         <p:spPr>
           <a:xfrm>
-            <a:off x="933150" y="1859703"/>
-            <a:ext cx="1334594" cy="400110"/>
+            <a:off x="933150" y="1936647"/>
+            <a:ext cx="1334594" cy="246221"/>
           </a:xfrm>
           <a:prstGeom prst="rect">
             <a:avLst/>
@@ -3588,16 +3587,8 @@
             <a:pPr algn="ctr"/>
             <a:r>
               <a:rPr lang="en-US" altLang="ko-KR" sz="1000"/>
-              <a:t>Deployment </a:t>
-            </a:r>
-          </a:p>
-          <a:p>
-            <a:pPr algn="ctr"/>
-            <a:r>
-              <a:rPr lang="en-US" altLang="ko-KR" sz="1000"/>
-              <a:t>Config</a:t>
-            </a:r>
-            <a:endParaRPr lang="ko-KR" altLang="en-US" sz="1000"/>
+              <a:t>K8s Manifest </a:t>
+            </a:r>
           </a:p>
         </p:txBody>
       </p:sp>
@@ -3745,7 +3736,7 @@
             <a:pPr algn="ctr"/>
             <a:r>
               <a:rPr lang="en-US" altLang="ko-KR" sz="1200"/>
-              <a:t>Redis</a:t>
+              <a:t>Redis Server</a:t>
             </a:r>
             <a:endParaRPr lang="ko-KR" altLang="en-US" sz="1200"/>
           </a:p>
@@ -4241,7 +4232,7 @@
             <a:pPr algn="ctr"/>
             <a:r>
               <a:rPr lang="en-US" altLang="ko-KR" sz="1000"/>
-              <a:t>Hook</a:t>
+              <a:t>Hook </a:t>
             </a:r>
             <a:endParaRPr lang="ko-KR" altLang="en-US" sz="1000"/>
           </a:p>
@@ -4569,6 +4560,104 @@
               <a:t>CI / Workflow Tool</a:t>
             </a:r>
             <a:endParaRPr lang="ko-KR" altLang="en-US" sz="1200"/>
+          </a:p>
+        </p:txBody>
+      </p:sp>
+      <p:sp>
+        <p:nvSpPr>
+          <p:cNvPr id="7" name="원호 6">
+            <a:extLst>
+              <a:ext uri="{FF2B5EF4-FFF2-40B4-BE49-F238E27FC236}">
+                <a16:creationId xmlns:a16="http://schemas.microsoft.com/office/drawing/2014/main" id="{202511DB-7142-476A-B82B-EA36B57CC941}"/>
+              </a:ext>
+            </a:extLst>
+          </p:cNvPr>
+          <p:cNvSpPr/>
+          <p:nvPr/>
+        </p:nvSpPr>
+        <p:spPr>
+          <a:xfrm flipH="1">
+            <a:off x="734055" y="1859703"/>
+            <a:ext cx="885042" cy="1360119"/>
+          </a:xfrm>
+          <a:prstGeom prst="arc">
+            <a:avLst>
+              <a:gd name="adj1" fmla="val 16200000"/>
+              <a:gd name="adj2" fmla="val 4073547"/>
+            </a:avLst>
+          </a:prstGeom>
+          <a:ln w="19050">
+            <a:solidFill>
+              <a:schemeClr val="tx1"/>
+            </a:solidFill>
+            <a:headEnd type="none" w="med" len="med"/>
+            <a:tailEnd type="arrow" w="med" len="med"/>
+          </a:ln>
+        </p:spPr>
+        <p:style>
+          <a:lnRef idx="1">
+            <a:schemeClr val="accent1"/>
+          </a:lnRef>
+          <a:fillRef idx="0">
+            <a:schemeClr val="accent1"/>
+          </a:fillRef>
+          <a:effectRef idx="0">
+            <a:schemeClr val="accent1"/>
+          </a:effectRef>
+          <a:fontRef idx="minor">
+            <a:schemeClr val="tx1"/>
+          </a:fontRef>
+        </p:style>
+        <p:txBody>
+          <a:bodyPr rtlCol="0" anchor="ctr"/>
+          <a:lstStyle/>
+          <a:p>
+            <a:pPr algn="ctr"/>
+            <a:endParaRPr lang="ko-KR" altLang="en-US"/>
+          </a:p>
+        </p:txBody>
+      </p:sp>
+      <p:sp>
+        <p:nvSpPr>
+          <p:cNvPr id="33" name="TextBox 32">
+            <a:extLst>
+              <a:ext uri="{FF2B5EF4-FFF2-40B4-BE49-F238E27FC236}">
+                <a16:creationId xmlns:a16="http://schemas.microsoft.com/office/drawing/2014/main" id="{EF3DE3F6-42B6-48A7-A1E1-C6D14A31FA17}"/>
+              </a:ext>
+            </a:extLst>
+          </p:cNvPr>
+          <p:cNvSpPr txBox="1"/>
+          <p:nvPr/>
+        </p:nvSpPr>
+        <p:spPr>
+          <a:xfrm>
+            <a:off x="-28798" y="1779910"/>
+            <a:ext cx="1334594" cy="400110"/>
+          </a:xfrm>
+          <a:prstGeom prst="rect">
+            <a:avLst/>
+          </a:prstGeom>
+          <a:noFill/>
+        </p:spPr>
+        <p:txBody>
+          <a:bodyPr wrap="square" rtlCol="0" anchor="ctr">
+            <a:spAutoFit/>
+          </a:bodyPr>
+          <a:lstStyle/>
+          <a:p>
+            <a:pPr algn="ctr"/>
+            <a:r>
+              <a:rPr lang="en-US" altLang="ko-KR" sz="1000"/>
+              <a:t>Argo CD</a:t>
+            </a:r>
+          </a:p>
+          <a:p>
+            <a:pPr algn="ctr"/>
+            <a:r>
+              <a:rPr lang="en-US" altLang="ko-KR" sz="1000"/>
+              <a:t>Config</a:t>
+            </a:r>
+            <a:endParaRPr lang="ko-KR" altLang="en-US" sz="1000"/>
           </a:p>
         </p:txBody>
       </p:sp>
@@ -4606,1443 +4695,6 @@
     <p:extLst>
       <p:ext uri="{BB962C8B-B14F-4D97-AF65-F5344CB8AC3E}">
         <p14:creationId xmlns:p14="http://schemas.microsoft.com/office/powerpoint/2010/main" val="2500440903"/>
-      </p:ext>
-    </p:extLst>
-  </p:cSld>
-  <p:clrMapOvr>
-    <a:masterClrMapping/>
-  </p:clrMapOvr>
-</p:sld>
-</file>
-
-<file path=ppt/slides/slide3.xml><?xml version="1.0" encoding="utf-8"?>
-<p:sld xmlns:a="http://schemas.openxmlformats.org/drawingml/2006/main" xmlns:r="http://schemas.openxmlformats.org/officeDocument/2006/relationships" xmlns:p="http://schemas.openxmlformats.org/presentationml/2006/main">
-  <p:cSld>
-    <p:spTree>
-      <p:nvGrpSpPr>
-        <p:cNvPr id="1" name=""/>
-        <p:cNvGrpSpPr/>
-        <p:nvPr/>
-      </p:nvGrpSpPr>
-      <p:grpSpPr>
-        <a:xfrm>
-          <a:off x="0" y="0"/>
-          <a:ext cx="0" cy="0"/>
-          <a:chOff x="0" y="0"/>
-          <a:chExt cx="0" cy="0"/>
-        </a:xfrm>
-      </p:grpSpPr>
-      <p:sp>
-        <p:nvSpPr>
-          <p:cNvPr id="2" name="제목 1">
-            <a:extLst>
-              <a:ext uri="{FF2B5EF4-FFF2-40B4-BE49-F238E27FC236}">
-                <a16:creationId xmlns:a16="http://schemas.microsoft.com/office/drawing/2014/main" id="{FC67F929-A4E0-49DA-A87A-869BFE4EFE72}"/>
-              </a:ext>
-            </a:extLst>
-          </p:cNvPr>
-          <p:cNvSpPr>
-            <a:spLocks noGrp="1"/>
-          </p:cNvSpPr>
-          <p:nvPr>
-            <p:ph type="title"/>
-          </p:nvPr>
-        </p:nvSpPr>
-        <p:spPr/>
-        <p:txBody>
-          <a:bodyPr>
-            <a:normAutofit/>
-          </a:bodyPr>
-          <a:lstStyle/>
-          <a:p>
-            <a:r>
-              <a:rPr lang="en-US" altLang="ko-KR"/>
-              <a:t>GitOps Pipeline</a:t>
-            </a:r>
-            <a:endParaRPr lang="ko-KR" altLang="en-US"/>
-          </a:p>
-        </p:txBody>
-      </p:sp>
-      <p:sp>
-        <p:nvSpPr>
-          <p:cNvPr id="75" name="TextBox 74">
-            <a:extLst>
-              <a:ext uri="{FF2B5EF4-FFF2-40B4-BE49-F238E27FC236}">
-                <a16:creationId xmlns:a16="http://schemas.microsoft.com/office/drawing/2014/main" id="{6604BF0D-C075-4DCD-925D-8B4DAEEF7C30}"/>
-              </a:ext>
-            </a:extLst>
-          </p:cNvPr>
-          <p:cNvSpPr txBox="1"/>
-          <p:nvPr/>
-        </p:nvSpPr>
-        <p:spPr>
-          <a:xfrm>
-            <a:off x="5786414" y="1357583"/>
-            <a:ext cx="1548220" cy="400110"/>
-          </a:xfrm>
-          <a:prstGeom prst="rect">
-            <a:avLst/>
-          </a:prstGeom>
-          <a:noFill/>
-        </p:spPr>
-        <p:txBody>
-          <a:bodyPr wrap="square" rtlCol="0" anchor="ctr">
-            <a:spAutoFit/>
-          </a:bodyPr>
-          <a:lstStyle/>
-          <a:p>
-            <a:pPr algn="ctr"/>
-            <a:r>
-              <a:rPr lang="en-US" altLang="ko-KR" sz="1000"/>
-              <a:t>4) Container Image Push Hook</a:t>
-            </a:r>
-            <a:endParaRPr lang="ko-KR" altLang="en-US" sz="1000"/>
-          </a:p>
-        </p:txBody>
-      </p:sp>
-      <p:sp>
-        <p:nvSpPr>
-          <p:cNvPr id="16" name="사각형: 둥근 모서리 15">
-            <a:extLst>
-              <a:ext uri="{FF2B5EF4-FFF2-40B4-BE49-F238E27FC236}">
-                <a16:creationId xmlns:a16="http://schemas.microsoft.com/office/drawing/2014/main" id="{6D3379D5-F0B2-4235-AA71-857DD4F863A4}"/>
-              </a:ext>
-            </a:extLst>
-          </p:cNvPr>
-          <p:cNvSpPr/>
-          <p:nvPr/>
-        </p:nvSpPr>
-        <p:spPr>
-          <a:xfrm>
-            <a:off x="7170656" y="1455946"/>
-            <a:ext cx="1285564" cy="576064"/>
-          </a:xfrm>
-          <a:prstGeom prst="roundRect">
-            <a:avLst>
-              <a:gd name="adj" fmla="val 7190"/>
-            </a:avLst>
-          </a:prstGeom>
-        </p:spPr>
-        <p:style>
-          <a:lnRef idx="2">
-            <a:schemeClr val="dk1"/>
-          </a:lnRef>
-          <a:fillRef idx="1">
-            <a:schemeClr val="lt1"/>
-          </a:fillRef>
-          <a:effectRef idx="0">
-            <a:schemeClr val="dk1"/>
-          </a:effectRef>
-          <a:fontRef idx="minor">
-            <a:schemeClr val="dk1"/>
-          </a:fontRef>
-        </p:style>
-        <p:txBody>
-          <a:bodyPr rtlCol="0" anchor="ctr"/>
-          <a:lstStyle/>
-          <a:p>
-            <a:pPr algn="ctr"/>
-            <a:r>
-              <a:rPr lang="en-US" altLang="ko-KR" sz="1200"/>
-              <a:t>Config Updater</a:t>
-            </a:r>
-            <a:endParaRPr lang="ko-KR" altLang="en-US" sz="1200"/>
-          </a:p>
-        </p:txBody>
-      </p:sp>
-      <p:sp>
-        <p:nvSpPr>
-          <p:cNvPr id="19" name="사각형: 둥근 모서리 18">
-            <a:extLst>
-              <a:ext uri="{FF2B5EF4-FFF2-40B4-BE49-F238E27FC236}">
-                <a16:creationId xmlns:a16="http://schemas.microsoft.com/office/drawing/2014/main" id="{68911BDE-C4E8-495E-BF31-94D24FF06259}"/>
-              </a:ext>
-            </a:extLst>
-          </p:cNvPr>
-          <p:cNvSpPr/>
-          <p:nvPr/>
-        </p:nvSpPr>
-        <p:spPr>
-          <a:xfrm>
-            <a:off x="4664828" y="2746361"/>
-            <a:ext cx="1285564" cy="576064"/>
-          </a:xfrm>
-          <a:prstGeom prst="roundRect">
-            <a:avLst>
-              <a:gd name="adj" fmla="val 7190"/>
-            </a:avLst>
-          </a:prstGeom>
-        </p:spPr>
-        <p:style>
-          <a:lnRef idx="2">
-            <a:schemeClr val="dk1"/>
-          </a:lnRef>
-          <a:fillRef idx="1">
-            <a:schemeClr val="lt1"/>
-          </a:fillRef>
-          <a:effectRef idx="0">
-            <a:schemeClr val="dk1"/>
-          </a:effectRef>
-          <a:fontRef idx="minor">
-            <a:schemeClr val="dk1"/>
-          </a:fontRef>
-        </p:style>
-        <p:txBody>
-          <a:bodyPr rtlCol="0" anchor="ctr"/>
-          <a:lstStyle/>
-          <a:p>
-            <a:pPr algn="ctr"/>
-            <a:r>
-              <a:rPr lang="en-US" altLang="ko-KR" sz="1200"/>
-              <a:t>Deploy</a:t>
-            </a:r>
-          </a:p>
-          <a:p>
-            <a:pPr algn="ctr"/>
-            <a:r>
-              <a:rPr lang="en-US" altLang="ko-KR" sz="1200"/>
-              <a:t>Operator</a:t>
-            </a:r>
-            <a:endParaRPr lang="ko-KR" altLang="en-US" sz="1200"/>
-          </a:p>
-        </p:txBody>
-      </p:sp>
-      <p:pic>
-        <p:nvPicPr>
-          <p:cNvPr id="21" name="그림 20">
-            <a:extLst>
-              <a:ext uri="{FF2B5EF4-FFF2-40B4-BE49-F238E27FC236}">
-                <a16:creationId xmlns:a16="http://schemas.microsoft.com/office/drawing/2014/main" id="{A57E3502-7632-4463-9954-68186D3DC86D}"/>
-              </a:ext>
-            </a:extLst>
-          </p:cNvPr>
-          <p:cNvPicPr>
-            <a:picLocks noChangeAspect="1"/>
-          </p:cNvPicPr>
-          <p:nvPr/>
-        </p:nvPicPr>
-        <p:blipFill>
-          <a:blip r:embed="rId2"/>
-          <a:stretch>
-            <a:fillRect/>
-          </a:stretch>
-        </p:blipFill>
-        <p:spPr>
-          <a:xfrm>
-            <a:off x="333872" y="1349108"/>
-            <a:ext cx="683472" cy="789740"/>
-          </a:xfrm>
-          <a:prstGeom prst="rect">
-            <a:avLst/>
-          </a:prstGeom>
-        </p:spPr>
-      </p:pic>
-      <p:pic>
-        <p:nvPicPr>
-          <p:cNvPr id="23" name="그림 22">
-            <a:extLst>
-              <a:ext uri="{FF2B5EF4-FFF2-40B4-BE49-F238E27FC236}">
-                <a16:creationId xmlns:a16="http://schemas.microsoft.com/office/drawing/2014/main" id="{621E12AD-A244-421D-8636-ED8DA65C2DF0}"/>
-              </a:ext>
-            </a:extLst>
-          </p:cNvPr>
-          <p:cNvPicPr>
-            <a:picLocks noChangeAspect="1"/>
-          </p:cNvPicPr>
-          <p:nvPr/>
-        </p:nvPicPr>
-        <p:blipFill>
-          <a:blip r:embed="rId2"/>
-          <a:stretch>
-            <a:fillRect/>
-          </a:stretch>
-        </p:blipFill>
-        <p:spPr>
-          <a:xfrm>
-            <a:off x="333872" y="2639523"/>
-            <a:ext cx="683472" cy="789740"/>
-          </a:xfrm>
-          <a:prstGeom prst="rect">
-            <a:avLst/>
-          </a:prstGeom>
-        </p:spPr>
-      </p:pic>
-      <p:sp>
-        <p:nvSpPr>
-          <p:cNvPr id="22" name="원통형 21">
-            <a:extLst>
-              <a:ext uri="{FF2B5EF4-FFF2-40B4-BE49-F238E27FC236}">
-                <a16:creationId xmlns:a16="http://schemas.microsoft.com/office/drawing/2014/main" id="{E9CD802C-7840-4B46-A67D-E3744A843843}"/>
-              </a:ext>
-            </a:extLst>
-          </p:cNvPr>
-          <p:cNvSpPr/>
-          <p:nvPr/>
-        </p:nvSpPr>
-        <p:spPr>
-          <a:xfrm>
-            <a:off x="2159000" y="1425975"/>
-            <a:ext cx="1285564" cy="648072"/>
-          </a:xfrm>
-          <a:prstGeom prst="can">
-            <a:avLst/>
-          </a:prstGeom>
-        </p:spPr>
-        <p:style>
-          <a:lnRef idx="2">
-            <a:schemeClr val="dk1"/>
-          </a:lnRef>
-          <a:fillRef idx="1">
-            <a:schemeClr val="lt1"/>
-          </a:fillRef>
-          <a:effectRef idx="0">
-            <a:schemeClr val="dk1"/>
-          </a:effectRef>
-          <a:fontRef idx="minor">
-            <a:schemeClr val="dk1"/>
-          </a:fontRef>
-        </p:style>
-        <p:txBody>
-          <a:bodyPr rtlCol="0" anchor="ctr"/>
-          <a:lstStyle/>
-          <a:p>
-            <a:pPr algn="ctr"/>
-            <a:r>
-              <a:rPr lang="en-US" altLang="ko-KR" sz="1200" b="1"/>
-              <a:t>Application </a:t>
-            </a:r>
-          </a:p>
-          <a:p>
-            <a:pPr algn="ctr"/>
-            <a:r>
-              <a:rPr lang="en-US" altLang="ko-KR" sz="1200" b="1"/>
-              <a:t>Git Repo</a:t>
-            </a:r>
-            <a:endParaRPr lang="ko-KR" altLang="en-US" sz="1200" b="1"/>
-          </a:p>
-        </p:txBody>
-      </p:sp>
-      <p:sp>
-        <p:nvSpPr>
-          <p:cNvPr id="25" name="원통형 24">
-            <a:extLst>
-              <a:ext uri="{FF2B5EF4-FFF2-40B4-BE49-F238E27FC236}">
-                <a16:creationId xmlns:a16="http://schemas.microsoft.com/office/drawing/2014/main" id="{D874BFE5-BF34-48D0-9CC7-BB51013EFCA8}"/>
-              </a:ext>
-            </a:extLst>
-          </p:cNvPr>
-          <p:cNvSpPr/>
-          <p:nvPr/>
-        </p:nvSpPr>
-        <p:spPr>
-          <a:xfrm>
-            <a:off x="2159000" y="2710357"/>
-            <a:ext cx="1285564" cy="648072"/>
-          </a:xfrm>
-          <a:prstGeom prst="can">
-            <a:avLst/>
-          </a:prstGeom>
-        </p:spPr>
-        <p:style>
-          <a:lnRef idx="2">
-            <a:schemeClr val="dk1"/>
-          </a:lnRef>
-          <a:fillRef idx="1">
-            <a:schemeClr val="lt1"/>
-          </a:fillRef>
-          <a:effectRef idx="0">
-            <a:schemeClr val="dk1"/>
-          </a:effectRef>
-          <a:fontRef idx="minor">
-            <a:schemeClr val="dk1"/>
-          </a:fontRef>
-        </p:style>
-        <p:txBody>
-          <a:bodyPr rtlCol="0" anchor="ctr"/>
-          <a:lstStyle/>
-          <a:p>
-            <a:pPr algn="ctr"/>
-            <a:r>
-              <a:rPr lang="en-US" altLang="ko-KR" sz="1200" b="1"/>
-              <a:t>Deployment</a:t>
-            </a:r>
-          </a:p>
-          <a:p>
-            <a:pPr algn="ctr"/>
-            <a:r>
-              <a:rPr lang="en-US" altLang="ko-KR" sz="1200" b="1"/>
-              <a:t>Git Repo</a:t>
-            </a:r>
-            <a:endParaRPr lang="ko-KR" altLang="en-US" sz="1200" b="1"/>
-          </a:p>
-        </p:txBody>
-      </p:sp>
-      <p:sp>
-        <p:nvSpPr>
-          <p:cNvPr id="26" name="사각형: 둥근 모서리 25">
-            <a:extLst>
-              <a:ext uri="{FF2B5EF4-FFF2-40B4-BE49-F238E27FC236}">
-                <a16:creationId xmlns:a16="http://schemas.microsoft.com/office/drawing/2014/main" id="{4590CAF6-DE96-431B-B6BE-08E37FC068AC}"/>
-              </a:ext>
-            </a:extLst>
-          </p:cNvPr>
-          <p:cNvSpPr/>
-          <p:nvPr/>
-        </p:nvSpPr>
-        <p:spPr>
-          <a:xfrm>
-            <a:off x="4664828" y="1455946"/>
-            <a:ext cx="1285564" cy="576064"/>
-          </a:xfrm>
-          <a:prstGeom prst="roundRect">
-            <a:avLst>
-              <a:gd name="adj" fmla="val 7190"/>
-            </a:avLst>
-          </a:prstGeom>
-        </p:spPr>
-        <p:style>
-          <a:lnRef idx="2">
-            <a:schemeClr val="dk1"/>
-          </a:lnRef>
-          <a:fillRef idx="1">
-            <a:schemeClr val="lt1"/>
-          </a:fillRef>
-          <a:effectRef idx="0">
-            <a:schemeClr val="dk1"/>
-          </a:effectRef>
-          <a:fontRef idx="minor">
-            <a:schemeClr val="dk1"/>
-          </a:fontRef>
-        </p:style>
-        <p:txBody>
-          <a:bodyPr rtlCol="0" anchor="ctr"/>
-          <a:lstStyle/>
-          <a:p>
-            <a:pPr algn="ctr"/>
-            <a:r>
-              <a:rPr lang="en-US" altLang="ko-KR" sz="1200"/>
-              <a:t>Container</a:t>
-            </a:r>
-          </a:p>
-          <a:p>
-            <a:pPr algn="ctr"/>
-            <a:r>
-              <a:rPr lang="en-US" altLang="ko-KR" sz="1200"/>
-              <a:t>Image Builder</a:t>
-            </a:r>
-            <a:endParaRPr lang="ko-KR" altLang="en-US" sz="1200"/>
-          </a:p>
-        </p:txBody>
-      </p:sp>
-      <p:sp>
-        <p:nvSpPr>
-          <p:cNvPr id="27" name="원통형 26">
-            <a:extLst>
-              <a:ext uri="{FF2B5EF4-FFF2-40B4-BE49-F238E27FC236}">
-                <a16:creationId xmlns:a16="http://schemas.microsoft.com/office/drawing/2014/main" id="{6077A3CE-9CA0-41E9-AE1A-63F5BFC4D7A1}"/>
-              </a:ext>
-            </a:extLst>
-          </p:cNvPr>
-          <p:cNvSpPr/>
-          <p:nvPr/>
-        </p:nvSpPr>
-        <p:spPr>
-          <a:xfrm>
-            <a:off x="7170656" y="2710357"/>
-            <a:ext cx="1285564" cy="648072"/>
-          </a:xfrm>
-          <a:prstGeom prst="can">
-            <a:avLst/>
-          </a:prstGeom>
-        </p:spPr>
-        <p:style>
-          <a:lnRef idx="2">
-            <a:schemeClr val="dk1"/>
-          </a:lnRef>
-          <a:fillRef idx="1">
-            <a:schemeClr val="lt1"/>
-          </a:fillRef>
-          <a:effectRef idx="0">
-            <a:schemeClr val="dk1"/>
-          </a:effectRef>
-          <a:fontRef idx="minor">
-            <a:schemeClr val="dk1"/>
-          </a:fontRef>
-        </p:style>
-        <p:txBody>
-          <a:bodyPr rtlCol="0" anchor="ctr"/>
-          <a:lstStyle/>
-          <a:p>
-            <a:pPr algn="ctr"/>
-            <a:r>
-              <a:rPr lang="en-US" altLang="ko-KR" sz="1200"/>
-              <a:t>Container </a:t>
-            </a:r>
-          </a:p>
-          <a:p>
-            <a:pPr algn="ctr"/>
-            <a:r>
-              <a:rPr lang="en-US" altLang="ko-KR" sz="1200"/>
-              <a:t>Image Repo</a:t>
-            </a:r>
-            <a:endParaRPr lang="ko-KR" altLang="en-US" sz="1200"/>
-          </a:p>
-        </p:txBody>
-      </p:sp>
-      <p:cxnSp>
-        <p:nvCxnSpPr>
-          <p:cNvPr id="28" name="직선 화살표 연결선 27">
-            <a:extLst>
-              <a:ext uri="{FF2B5EF4-FFF2-40B4-BE49-F238E27FC236}">
-                <a16:creationId xmlns:a16="http://schemas.microsoft.com/office/drawing/2014/main" id="{A37A8657-2C5C-410E-8C5C-06E76E755275}"/>
-              </a:ext>
-            </a:extLst>
-          </p:cNvPr>
-          <p:cNvCxnSpPr>
-            <a:cxnSpLocks/>
-            <a:stCxn id="21" idx="3"/>
-            <a:endCxn id="22" idx="2"/>
-          </p:cNvCxnSpPr>
-          <p:nvPr/>
-        </p:nvCxnSpPr>
-        <p:spPr>
-          <a:xfrm>
-            <a:off x="1017344" y="1743978"/>
-            <a:ext cx="1141656" cy="6033"/>
-          </a:xfrm>
-          <a:prstGeom prst="straightConnector1">
-            <a:avLst/>
-          </a:prstGeom>
-          <a:ln w="19050">
-            <a:solidFill>
-              <a:schemeClr val="tx1"/>
-            </a:solidFill>
-            <a:headEnd type="none" w="med" len="med"/>
-            <a:tailEnd type="arrow" w="med" len="med"/>
-          </a:ln>
-        </p:spPr>
-        <p:style>
-          <a:lnRef idx="1">
-            <a:schemeClr val="accent1"/>
-          </a:lnRef>
-          <a:fillRef idx="0">
-            <a:schemeClr val="accent1"/>
-          </a:fillRef>
-          <a:effectRef idx="0">
-            <a:schemeClr val="accent1"/>
-          </a:effectRef>
-          <a:fontRef idx="minor">
-            <a:schemeClr val="tx1"/>
-          </a:fontRef>
-        </p:style>
-      </p:cxnSp>
-      <p:cxnSp>
-        <p:nvCxnSpPr>
-          <p:cNvPr id="30" name="직선 화살표 연결선 29">
-            <a:extLst>
-              <a:ext uri="{FF2B5EF4-FFF2-40B4-BE49-F238E27FC236}">
-                <a16:creationId xmlns:a16="http://schemas.microsoft.com/office/drawing/2014/main" id="{B7B07A8A-27C7-40CA-BAB1-D3EAD9E5D6ED}"/>
-              </a:ext>
-            </a:extLst>
-          </p:cNvPr>
-          <p:cNvCxnSpPr>
-            <a:cxnSpLocks/>
-            <a:stCxn id="23" idx="3"/>
-            <a:endCxn id="25" idx="2"/>
-          </p:cNvCxnSpPr>
-          <p:nvPr/>
-        </p:nvCxnSpPr>
-        <p:spPr>
-          <a:xfrm>
-            <a:off x="1017344" y="3034393"/>
-            <a:ext cx="1141656" cy="0"/>
-          </a:xfrm>
-          <a:prstGeom prst="straightConnector1">
-            <a:avLst/>
-          </a:prstGeom>
-          <a:ln w="19050">
-            <a:solidFill>
-              <a:schemeClr val="tx1"/>
-            </a:solidFill>
-            <a:headEnd type="none" w="med" len="med"/>
-            <a:tailEnd type="arrow" w="med" len="med"/>
-          </a:ln>
-        </p:spPr>
-        <p:style>
-          <a:lnRef idx="1">
-            <a:schemeClr val="accent1"/>
-          </a:lnRef>
-          <a:fillRef idx="0">
-            <a:schemeClr val="accent1"/>
-          </a:fillRef>
-          <a:effectRef idx="0">
-            <a:schemeClr val="accent1"/>
-          </a:effectRef>
-          <a:fontRef idx="minor">
-            <a:schemeClr val="tx1"/>
-          </a:fontRef>
-        </p:style>
-      </p:cxnSp>
-      <p:cxnSp>
-        <p:nvCxnSpPr>
-          <p:cNvPr id="34" name="직선 화살표 연결선 33">
-            <a:extLst>
-              <a:ext uri="{FF2B5EF4-FFF2-40B4-BE49-F238E27FC236}">
-                <a16:creationId xmlns:a16="http://schemas.microsoft.com/office/drawing/2014/main" id="{0725C178-4AAF-46A9-A325-34E2E9A710A5}"/>
-              </a:ext>
-            </a:extLst>
-          </p:cNvPr>
-          <p:cNvCxnSpPr>
-            <a:cxnSpLocks/>
-            <a:stCxn id="22" idx="4"/>
-            <a:endCxn id="26" idx="1"/>
-          </p:cNvCxnSpPr>
-          <p:nvPr/>
-        </p:nvCxnSpPr>
-        <p:spPr>
-          <a:xfrm flipV="1">
-            <a:off x="3444564" y="1743978"/>
-            <a:ext cx="1220264" cy="6033"/>
-          </a:xfrm>
-          <a:prstGeom prst="straightConnector1">
-            <a:avLst/>
-          </a:prstGeom>
-          <a:ln w="19050">
-            <a:solidFill>
-              <a:schemeClr val="tx1"/>
-            </a:solidFill>
-            <a:headEnd type="none" w="med" len="med"/>
-            <a:tailEnd type="arrow" w="med" len="med"/>
-          </a:ln>
-        </p:spPr>
-        <p:style>
-          <a:lnRef idx="1">
-            <a:schemeClr val="accent1"/>
-          </a:lnRef>
-          <a:fillRef idx="0">
-            <a:schemeClr val="accent1"/>
-          </a:fillRef>
-          <a:effectRef idx="0">
-            <a:schemeClr val="accent1"/>
-          </a:effectRef>
-          <a:fontRef idx="minor">
-            <a:schemeClr val="tx1"/>
-          </a:fontRef>
-        </p:style>
-      </p:cxnSp>
-      <p:cxnSp>
-        <p:nvCxnSpPr>
-          <p:cNvPr id="37" name="직선 화살표 연결선 36">
-            <a:extLst>
-              <a:ext uri="{FF2B5EF4-FFF2-40B4-BE49-F238E27FC236}">
-                <a16:creationId xmlns:a16="http://schemas.microsoft.com/office/drawing/2014/main" id="{39DDB6F3-AEFF-4F8A-82F6-5F2971911396}"/>
-              </a:ext>
-            </a:extLst>
-          </p:cNvPr>
-          <p:cNvCxnSpPr>
-            <a:cxnSpLocks/>
-            <a:stCxn id="25" idx="4"/>
-            <a:endCxn id="19" idx="1"/>
-          </p:cNvCxnSpPr>
-          <p:nvPr/>
-        </p:nvCxnSpPr>
-        <p:spPr>
-          <a:xfrm>
-            <a:off x="3444564" y="3034393"/>
-            <a:ext cx="1220264" cy="0"/>
-          </a:xfrm>
-          <a:prstGeom prst="straightConnector1">
-            <a:avLst/>
-          </a:prstGeom>
-          <a:ln w="19050">
-            <a:solidFill>
-              <a:schemeClr val="tx1"/>
-            </a:solidFill>
-            <a:headEnd type="none" w="med" len="med"/>
-            <a:tailEnd type="arrow" w="med" len="med"/>
-          </a:ln>
-        </p:spPr>
-        <p:style>
-          <a:lnRef idx="1">
-            <a:schemeClr val="accent1"/>
-          </a:lnRef>
-          <a:fillRef idx="0">
-            <a:schemeClr val="accent1"/>
-          </a:fillRef>
-          <a:effectRef idx="0">
-            <a:schemeClr val="accent1"/>
-          </a:effectRef>
-          <a:fontRef idx="minor">
-            <a:schemeClr val="tx1"/>
-          </a:fontRef>
-        </p:style>
-      </p:cxnSp>
-      <p:cxnSp>
-        <p:nvCxnSpPr>
-          <p:cNvPr id="46" name="직선 화살표 연결선 45">
-            <a:extLst>
-              <a:ext uri="{FF2B5EF4-FFF2-40B4-BE49-F238E27FC236}">
-                <a16:creationId xmlns:a16="http://schemas.microsoft.com/office/drawing/2014/main" id="{32F5A130-32AF-4F3F-9929-33336596120D}"/>
-              </a:ext>
-            </a:extLst>
-          </p:cNvPr>
-          <p:cNvCxnSpPr>
-            <a:cxnSpLocks/>
-            <a:stCxn id="26" idx="3"/>
-            <a:endCxn id="16" idx="1"/>
-          </p:cNvCxnSpPr>
-          <p:nvPr/>
-        </p:nvCxnSpPr>
-        <p:spPr>
-          <a:xfrm>
-            <a:off x="5950392" y="1743978"/>
-            <a:ext cx="1220264" cy="0"/>
-          </a:xfrm>
-          <a:prstGeom prst="straightConnector1">
-            <a:avLst/>
-          </a:prstGeom>
-          <a:ln w="19050">
-            <a:solidFill>
-              <a:schemeClr val="tx1"/>
-            </a:solidFill>
-            <a:headEnd type="none" w="med" len="med"/>
-            <a:tailEnd type="arrow" w="med" len="med"/>
-          </a:ln>
-        </p:spPr>
-        <p:style>
-          <a:lnRef idx="1">
-            <a:schemeClr val="accent1"/>
-          </a:lnRef>
-          <a:fillRef idx="0">
-            <a:schemeClr val="accent1"/>
-          </a:fillRef>
-          <a:effectRef idx="0">
-            <a:schemeClr val="accent1"/>
-          </a:effectRef>
-          <a:fontRef idx="minor">
-            <a:schemeClr val="tx1"/>
-          </a:fontRef>
-        </p:style>
-      </p:cxnSp>
-      <p:cxnSp>
-        <p:nvCxnSpPr>
-          <p:cNvPr id="49" name="직선 화살표 연결선 48">
-            <a:extLst>
-              <a:ext uri="{FF2B5EF4-FFF2-40B4-BE49-F238E27FC236}">
-                <a16:creationId xmlns:a16="http://schemas.microsoft.com/office/drawing/2014/main" id="{1EACB238-DBAC-4C4F-9904-F1F78DA290E9}"/>
-              </a:ext>
-            </a:extLst>
-          </p:cNvPr>
-          <p:cNvCxnSpPr>
-            <a:cxnSpLocks/>
-            <a:stCxn id="16" idx="2"/>
-            <a:endCxn id="25" idx="1"/>
-          </p:cNvCxnSpPr>
-          <p:nvPr/>
-        </p:nvCxnSpPr>
-        <p:spPr>
-          <a:xfrm flipH="1">
-            <a:off x="2801782" y="2032010"/>
-            <a:ext cx="5011656" cy="678347"/>
-          </a:xfrm>
-          <a:prstGeom prst="straightConnector1">
-            <a:avLst/>
-          </a:prstGeom>
-          <a:ln w="19050">
-            <a:solidFill>
-              <a:schemeClr val="tx1"/>
-            </a:solidFill>
-            <a:headEnd type="none" w="med" len="med"/>
-            <a:tailEnd type="arrow" w="med" len="med"/>
-          </a:ln>
-        </p:spPr>
-        <p:style>
-          <a:lnRef idx="1">
-            <a:schemeClr val="accent1"/>
-          </a:lnRef>
-          <a:fillRef idx="0">
-            <a:schemeClr val="accent1"/>
-          </a:fillRef>
-          <a:effectRef idx="0">
-            <a:schemeClr val="accent1"/>
-          </a:effectRef>
-          <a:fontRef idx="minor">
-            <a:schemeClr val="tx1"/>
-          </a:fontRef>
-        </p:style>
-      </p:cxnSp>
-      <p:cxnSp>
-        <p:nvCxnSpPr>
-          <p:cNvPr id="52" name="직선 화살표 연결선 51">
-            <a:extLst>
-              <a:ext uri="{FF2B5EF4-FFF2-40B4-BE49-F238E27FC236}">
-                <a16:creationId xmlns:a16="http://schemas.microsoft.com/office/drawing/2014/main" id="{32F466D6-F03B-4636-9712-55456CCF29A2}"/>
-              </a:ext>
-            </a:extLst>
-          </p:cNvPr>
-          <p:cNvCxnSpPr>
-            <a:cxnSpLocks/>
-            <a:stCxn id="26" idx="3"/>
-            <a:endCxn id="27" idx="1"/>
-          </p:cNvCxnSpPr>
-          <p:nvPr/>
-        </p:nvCxnSpPr>
-        <p:spPr>
-          <a:xfrm>
-            <a:off x="5950392" y="1743978"/>
-            <a:ext cx="1863046" cy="966379"/>
-          </a:xfrm>
-          <a:prstGeom prst="straightConnector1">
-            <a:avLst/>
-          </a:prstGeom>
-          <a:ln w="19050">
-            <a:solidFill>
-              <a:schemeClr val="tx1"/>
-            </a:solidFill>
-            <a:headEnd type="none" w="med" len="med"/>
-            <a:tailEnd type="arrow" w="med" len="med"/>
-          </a:ln>
-        </p:spPr>
-        <p:style>
-          <a:lnRef idx="1">
-            <a:schemeClr val="accent1"/>
-          </a:lnRef>
-          <a:fillRef idx="0">
-            <a:schemeClr val="accent1"/>
-          </a:fillRef>
-          <a:effectRef idx="0">
-            <a:schemeClr val="accent1"/>
-          </a:effectRef>
-          <a:fontRef idx="minor">
-            <a:schemeClr val="tx1"/>
-          </a:fontRef>
-        </p:style>
-      </p:cxnSp>
-      <p:sp>
-        <p:nvSpPr>
-          <p:cNvPr id="54" name="구름 53">
-            <a:extLst>
-              <a:ext uri="{FF2B5EF4-FFF2-40B4-BE49-F238E27FC236}">
-                <a16:creationId xmlns:a16="http://schemas.microsoft.com/office/drawing/2014/main" id="{8D40FBE5-3FB6-4C0C-8CB5-461933F4E823}"/>
-              </a:ext>
-            </a:extLst>
-          </p:cNvPr>
-          <p:cNvSpPr/>
-          <p:nvPr/>
-        </p:nvSpPr>
-        <p:spPr>
-          <a:xfrm>
-            <a:off x="2647239" y="4083918"/>
-            <a:ext cx="1594650" cy="720060"/>
-          </a:xfrm>
-          <a:prstGeom prst="cloud">
-            <a:avLst/>
-          </a:prstGeom>
-        </p:spPr>
-        <p:style>
-          <a:lnRef idx="2">
-            <a:schemeClr val="dk1"/>
-          </a:lnRef>
-          <a:fillRef idx="1">
-            <a:schemeClr val="lt1"/>
-          </a:fillRef>
-          <a:effectRef idx="0">
-            <a:schemeClr val="dk1"/>
-          </a:effectRef>
-          <a:fontRef idx="minor">
-            <a:schemeClr val="dk1"/>
-          </a:fontRef>
-        </p:style>
-        <p:txBody>
-          <a:bodyPr rtlCol="0" anchor="ctr"/>
-          <a:lstStyle/>
-          <a:p>
-            <a:pPr algn="ctr"/>
-            <a:r>
-              <a:rPr lang="en-US" altLang="ko-KR" sz="1200"/>
-              <a:t>Stage Cluster</a:t>
-            </a:r>
-            <a:endParaRPr lang="ko-KR" altLang="en-US" sz="1200"/>
-          </a:p>
-        </p:txBody>
-      </p:sp>
-      <p:sp>
-        <p:nvSpPr>
-          <p:cNvPr id="56" name="구름 55">
-            <a:extLst>
-              <a:ext uri="{FF2B5EF4-FFF2-40B4-BE49-F238E27FC236}">
-                <a16:creationId xmlns:a16="http://schemas.microsoft.com/office/drawing/2014/main" id="{176815F8-4FC6-4D6A-ADA0-0A1E04BBD951}"/>
-              </a:ext>
-            </a:extLst>
-          </p:cNvPr>
-          <p:cNvSpPr/>
-          <p:nvPr/>
-        </p:nvSpPr>
-        <p:spPr>
-          <a:xfrm>
-            <a:off x="5153066" y="4083918"/>
-            <a:ext cx="1594650" cy="720060"/>
-          </a:xfrm>
-          <a:prstGeom prst="cloud">
-            <a:avLst/>
-          </a:prstGeom>
-        </p:spPr>
-        <p:style>
-          <a:lnRef idx="2">
-            <a:schemeClr val="dk1"/>
-          </a:lnRef>
-          <a:fillRef idx="1">
-            <a:schemeClr val="lt1"/>
-          </a:fillRef>
-          <a:effectRef idx="0">
-            <a:schemeClr val="dk1"/>
-          </a:effectRef>
-          <a:fontRef idx="minor">
-            <a:schemeClr val="dk1"/>
-          </a:fontRef>
-        </p:style>
-        <p:txBody>
-          <a:bodyPr rtlCol="0" anchor="ctr"/>
-          <a:lstStyle/>
-          <a:p>
-            <a:pPr algn="ctr"/>
-            <a:r>
-              <a:rPr lang="en-US" altLang="ko-KR" sz="1200"/>
-              <a:t>Production Cluster</a:t>
-            </a:r>
-            <a:endParaRPr lang="ko-KR" altLang="en-US" sz="1200"/>
-          </a:p>
-        </p:txBody>
-      </p:sp>
-      <p:cxnSp>
-        <p:nvCxnSpPr>
-          <p:cNvPr id="57" name="직선 화살표 연결선 56">
-            <a:extLst>
-              <a:ext uri="{FF2B5EF4-FFF2-40B4-BE49-F238E27FC236}">
-                <a16:creationId xmlns:a16="http://schemas.microsoft.com/office/drawing/2014/main" id="{8BAB6615-AFC0-41AB-8697-D35C8EEB3BEB}"/>
-              </a:ext>
-            </a:extLst>
-          </p:cNvPr>
-          <p:cNvCxnSpPr>
-            <a:cxnSpLocks/>
-            <a:stCxn id="27" idx="3"/>
-            <a:endCxn id="54" idx="3"/>
-          </p:cNvCxnSpPr>
-          <p:nvPr/>
-        </p:nvCxnSpPr>
-        <p:spPr>
-          <a:xfrm flipH="1">
-            <a:off x="3444564" y="3358429"/>
-            <a:ext cx="4368874" cy="766659"/>
-          </a:xfrm>
-          <a:prstGeom prst="straightConnector1">
-            <a:avLst/>
-          </a:prstGeom>
-          <a:ln w="19050">
-            <a:solidFill>
-              <a:schemeClr val="tx1"/>
-            </a:solidFill>
-            <a:headEnd type="none" w="med" len="med"/>
-            <a:tailEnd type="arrow" w="med" len="med"/>
-          </a:ln>
-        </p:spPr>
-        <p:style>
-          <a:lnRef idx="1">
-            <a:schemeClr val="accent1"/>
-          </a:lnRef>
-          <a:fillRef idx="0">
-            <a:schemeClr val="accent1"/>
-          </a:fillRef>
-          <a:effectRef idx="0">
-            <a:schemeClr val="accent1"/>
-          </a:effectRef>
-          <a:fontRef idx="minor">
-            <a:schemeClr val="tx1"/>
-          </a:fontRef>
-        </p:style>
-      </p:cxnSp>
-      <p:cxnSp>
-        <p:nvCxnSpPr>
-          <p:cNvPr id="61" name="직선 화살표 연결선 60">
-            <a:extLst>
-              <a:ext uri="{FF2B5EF4-FFF2-40B4-BE49-F238E27FC236}">
-                <a16:creationId xmlns:a16="http://schemas.microsoft.com/office/drawing/2014/main" id="{CE7A1241-E2BA-42D6-9A87-49D90C24EF4D}"/>
-              </a:ext>
-            </a:extLst>
-          </p:cNvPr>
-          <p:cNvCxnSpPr>
-            <a:cxnSpLocks/>
-            <a:stCxn id="27" idx="3"/>
-            <a:endCxn id="56" idx="3"/>
-          </p:cNvCxnSpPr>
-          <p:nvPr/>
-        </p:nvCxnSpPr>
-        <p:spPr>
-          <a:xfrm flipH="1">
-            <a:off x="5950391" y="3358429"/>
-            <a:ext cx="1863047" cy="766659"/>
-          </a:xfrm>
-          <a:prstGeom prst="straightConnector1">
-            <a:avLst/>
-          </a:prstGeom>
-          <a:ln w="19050">
-            <a:solidFill>
-              <a:schemeClr val="tx1"/>
-            </a:solidFill>
-            <a:headEnd type="none" w="med" len="med"/>
-            <a:tailEnd type="arrow" w="med" len="med"/>
-          </a:ln>
-        </p:spPr>
-        <p:style>
-          <a:lnRef idx="1">
-            <a:schemeClr val="accent1"/>
-          </a:lnRef>
-          <a:fillRef idx="0">
-            <a:schemeClr val="accent1"/>
-          </a:fillRef>
-          <a:effectRef idx="0">
-            <a:schemeClr val="accent1"/>
-          </a:effectRef>
-          <a:fontRef idx="minor">
-            <a:schemeClr val="tx1"/>
-          </a:fontRef>
-        </p:style>
-      </p:cxnSp>
-      <p:cxnSp>
-        <p:nvCxnSpPr>
-          <p:cNvPr id="64" name="직선 화살표 연결선 63">
-            <a:extLst>
-              <a:ext uri="{FF2B5EF4-FFF2-40B4-BE49-F238E27FC236}">
-                <a16:creationId xmlns:a16="http://schemas.microsoft.com/office/drawing/2014/main" id="{A9D90E68-4BE6-4E4B-AAB1-A2E80FCF2B6F}"/>
-              </a:ext>
-            </a:extLst>
-          </p:cNvPr>
-          <p:cNvCxnSpPr>
-            <a:cxnSpLocks/>
-            <a:stCxn id="19" idx="2"/>
-            <a:endCxn id="54" idx="3"/>
-          </p:cNvCxnSpPr>
-          <p:nvPr/>
-        </p:nvCxnSpPr>
-        <p:spPr>
-          <a:xfrm flipH="1">
-            <a:off x="3444564" y="3322425"/>
-            <a:ext cx="1863046" cy="802663"/>
-          </a:xfrm>
-          <a:prstGeom prst="straightConnector1">
-            <a:avLst/>
-          </a:prstGeom>
-          <a:ln w="19050">
-            <a:solidFill>
-              <a:schemeClr val="tx1"/>
-            </a:solidFill>
-            <a:headEnd type="none" w="med" len="med"/>
-            <a:tailEnd type="arrow" w="med" len="med"/>
-          </a:ln>
-        </p:spPr>
-        <p:style>
-          <a:lnRef idx="1">
-            <a:schemeClr val="accent1"/>
-          </a:lnRef>
-          <a:fillRef idx="0">
-            <a:schemeClr val="accent1"/>
-          </a:fillRef>
-          <a:effectRef idx="0">
-            <a:schemeClr val="accent1"/>
-          </a:effectRef>
-          <a:fontRef idx="minor">
-            <a:schemeClr val="tx1"/>
-          </a:fontRef>
-        </p:style>
-      </p:cxnSp>
-      <p:cxnSp>
-        <p:nvCxnSpPr>
-          <p:cNvPr id="67" name="직선 화살표 연결선 66">
-            <a:extLst>
-              <a:ext uri="{FF2B5EF4-FFF2-40B4-BE49-F238E27FC236}">
-                <a16:creationId xmlns:a16="http://schemas.microsoft.com/office/drawing/2014/main" id="{2506EEAC-0A7D-4A53-AC3C-FA48693FE1E7}"/>
-              </a:ext>
-            </a:extLst>
-          </p:cNvPr>
-          <p:cNvCxnSpPr>
-            <a:cxnSpLocks/>
-            <a:stCxn id="19" idx="2"/>
-            <a:endCxn id="56" idx="3"/>
-          </p:cNvCxnSpPr>
-          <p:nvPr/>
-        </p:nvCxnSpPr>
-        <p:spPr>
-          <a:xfrm>
-            <a:off x="5307610" y="3322425"/>
-            <a:ext cx="642781" cy="802663"/>
-          </a:xfrm>
-          <a:prstGeom prst="straightConnector1">
-            <a:avLst/>
-          </a:prstGeom>
-          <a:ln w="19050">
-            <a:solidFill>
-              <a:schemeClr val="tx1"/>
-            </a:solidFill>
-            <a:headEnd type="none" w="med" len="med"/>
-            <a:tailEnd type="arrow" w="med" len="med"/>
-          </a:ln>
-        </p:spPr>
-        <p:style>
-          <a:lnRef idx="1">
-            <a:schemeClr val="accent1"/>
-          </a:lnRef>
-          <a:fillRef idx="0">
-            <a:schemeClr val="accent1"/>
-          </a:fillRef>
-          <a:effectRef idx="0">
-            <a:schemeClr val="accent1"/>
-          </a:effectRef>
-          <a:fontRef idx="minor">
-            <a:schemeClr val="tx1"/>
-          </a:fontRef>
-        </p:style>
-      </p:cxnSp>
-      <p:sp>
-        <p:nvSpPr>
-          <p:cNvPr id="69" name="TextBox 68">
-            <a:extLst>
-              <a:ext uri="{FF2B5EF4-FFF2-40B4-BE49-F238E27FC236}">
-                <a16:creationId xmlns:a16="http://schemas.microsoft.com/office/drawing/2014/main" id="{40131A1C-7232-49EB-9A3C-130920CB9EB2}"/>
-              </a:ext>
-            </a:extLst>
-          </p:cNvPr>
-          <p:cNvSpPr txBox="1"/>
-          <p:nvPr/>
-        </p:nvSpPr>
-        <p:spPr>
-          <a:xfrm>
-            <a:off x="4317723" y="3424758"/>
-            <a:ext cx="1632668" cy="415498"/>
-          </a:xfrm>
-          <a:prstGeom prst="rect">
-            <a:avLst/>
-          </a:prstGeom>
-          <a:noFill/>
-        </p:spPr>
-        <p:txBody>
-          <a:bodyPr wrap="square" rtlCol="0" anchor="ctr">
-            <a:spAutoFit/>
-          </a:bodyPr>
-          <a:lstStyle/>
-          <a:p>
-            <a:pPr algn="ctr"/>
-            <a:r>
-              <a:rPr lang="en-US" altLang="ko-KR" sz="1050"/>
-              <a:t>7) Deployment </a:t>
-            </a:r>
-          </a:p>
-          <a:p>
-            <a:pPr algn="ctr"/>
-            <a:r>
-              <a:rPr lang="en-US" altLang="ko-KR" sz="1050"/>
-              <a:t>Config </a:t>
-            </a:r>
-            <a:endParaRPr lang="ko-KR" altLang="en-US" sz="1050"/>
-          </a:p>
-        </p:txBody>
-      </p:sp>
-      <p:sp>
-        <p:nvSpPr>
-          <p:cNvPr id="72" name="TextBox 71">
-            <a:extLst>
-              <a:ext uri="{FF2B5EF4-FFF2-40B4-BE49-F238E27FC236}">
-                <a16:creationId xmlns:a16="http://schemas.microsoft.com/office/drawing/2014/main" id="{2D8CA070-A781-4B3D-A99E-8022CD043F48}"/>
-              </a:ext>
-            </a:extLst>
-          </p:cNvPr>
-          <p:cNvSpPr txBox="1"/>
-          <p:nvPr/>
-        </p:nvSpPr>
-        <p:spPr>
-          <a:xfrm>
-            <a:off x="1200146" y="1490992"/>
-            <a:ext cx="1632668" cy="246221"/>
-          </a:xfrm>
-          <a:prstGeom prst="rect">
-            <a:avLst/>
-          </a:prstGeom>
-          <a:noFill/>
-        </p:spPr>
-        <p:txBody>
-          <a:bodyPr wrap="square" rtlCol="0" anchor="ctr">
-            <a:spAutoFit/>
-          </a:bodyPr>
-          <a:lstStyle/>
-          <a:p>
-            <a:r>
-              <a:rPr lang="en-US" altLang="ko-KR" sz="1000"/>
-              <a:t>1) Code</a:t>
-            </a:r>
-            <a:endParaRPr lang="ko-KR" altLang="en-US" sz="1000"/>
-          </a:p>
-        </p:txBody>
-      </p:sp>
-      <p:sp>
-        <p:nvSpPr>
-          <p:cNvPr id="74" name="TextBox 73">
-            <a:extLst>
-              <a:ext uri="{FF2B5EF4-FFF2-40B4-BE49-F238E27FC236}">
-                <a16:creationId xmlns:a16="http://schemas.microsoft.com/office/drawing/2014/main" id="{04D770FF-2194-4273-B3C4-05747260F06E}"/>
-              </a:ext>
-            </a:extLst>
-          </p:cNvPr>
-          <p:cNvSpPr txBox="1"/>
-          <p:nvPr/>
-        </p:nvSpPr>
-        <p:spPr>
-          <a:xfrm>
-            <a:off x="3205712" y="1343867"/>
-            <a:ext cx="1632668" cy="400110"/>
-          </a:xfrm>
-          <a:prstGeom prst="rect">
-            <a:avLst/>
-          </a:prstGeom>
-          <a:noFill/>
-        </p:spPr>
-        <p:txBody>
-          <a:bodyPr wrap="square" rtlCol="0" anchor="ctr">
-            <a:spAutoFit/>
-          </a:bodyPr>
-          <a:lstStyle/>
-          <a:p>
-            <a:pPr algn="ctr"/>
-            <a:r>
-              <a:rPr lang="en-US" altLang="ko-KR" sz="1000"/>
-              <a:t>2) Commit Hook </a:t>
-            </a:r>
-          </a:p>
-          <a:p>
-            <a:pPr algn="ctr"/>
-            <a:r>
-              <a:rPr lang="en-US" altLang="ko-KR" sz="1000"/>
-              <a:t>&amp; Code</a:t>
-            </a:r>
-            <a:endParaRPr lang="ko-KR" altLang="en-US" sz="1000"/>
-          </a:p>
-        </p:txBody>
-      </p:sp>
-      <p:sp>
-        <p:nvSpPr>
-          <p:cNvPr id="76" name="TextBox 75">
-            <a:extLst>
-              <a:ext uri="{FF2B5EF4-FFF2-40B4-BE49-F238E27FC236}">
-                <a16:creationId xmlns:a16="http://schemas.microsoft.com/office/drawing/2014/main" id="{79F81E9F-47C1-46F3-A96E-8CC2F7278FA7}"/>
-              </a:ext>
-            </a:extLst>
-          </p:cNvPr>
-          <p:cNvSpPr txBox="1"/>
-          <p:nvPr/>
-        </p:nvSpPr>
-        <p:spPr>
-          <a:xfrm>
-            <a:off x="6973345" y="2230640"/>
-            <a:ext cx="1521400" cy="400110"/>
-          </a:xfrm>
-          <a:prstGeom prst="rect">
-            <a:avLst/>
-          </a:prstGeom>
-          <a:noFill/>
-        </p:spPr>
-        <p:txBody>
-          <a:bodyPr wrap="square" rtlCol="0" anchor="ctr">
-            <a:spAutoFit/>
-          </a:bodyPr>
-          <a:lstStyle/>
-          <a:p>
-            <a:pPr algn="ctr"/>
-            <a:r>
-              <a:rPr lang="en-US" altLang="ko-KR" sz="1000"/>
-              <a:t>3) Container </a:t>
-            </a:r>
-          </a:p>
-          <a:p>
-            <a:pPr algn="ctr"/>
-            <a:r>
-              <a:rPr lang="en-US" altLang="ko-KR" sz="1000"/>
-              <a:t>Image</a:t>
-            </a:r>
-            <a:endParaRPr lang="ko-KR" altLang="en-US" sz="1000"/>
-          </a:p>
-        </p:txBody>
-      </p:sp>
-      <p:sp>
-        <p:nvSpPr>
-          <p:cNvPr id="103" name="TextBox 102">
-            <a:extLst>
-              <a:ext uri="{FF2B5EF4-FFF2-40B4-BE49-F238E27FC236}">
-                <a16:creationId xmlns:a16="http://schemas.microsoft.com/office/drawing/2014/main" id="{86263AF1-E738-4B56-BBA0-673A588E0C95}"/>
-              </a:ext>
-            </a:extLst>
-          </p:cNvPr>
-          <p:cNvSpPr txBox="1"/>
-          <p:nvPr/>
-        </p:nvSpPr>
-        <p:spPr>
-          <a:xfrm>
-            <a:off x="695004" y="2631695"/>
-            <a:ext cx="1632668" cy="400110"/>
-          </a:xfrm>
-          <a:prstGeom prst="rect">
-            <a:avLst/>
-          </a:prstGeom>
-          <a:noFill/>
-        </p:spPr>
-        <p:txBody>
-          <a:bodyPr wrap="square" rtlCol="0" anchor="ctr">
-            <a:spAutoFit/>
-          </a:bodyPr>
-          <a:lstStyle/>
-          <a:p>
-            <a:pPr algn="ctr"/>
-            <a:r>
-              <a:rPr lang="en-US" altLang="ko-KR" sz="1000"/>
-              <a:t>5) Deployment </a:t>
-            </a:r>
-          </a:p>
-          <a:p>
-            <a:pPr algn="ctr"/>
-            <a:r>
-              <a:rPr lang="en-US" altLang="ko-KR" sz="1000"/>
-              <a:t>Config</a:t>
-            </a:r>
-            <a:endParaRPr lang="ko-KR" altLang="en-US" sz="1000"/>
-          </a:p>
-        </p:txBody>
-      </p:sp>
-      <p:sp>
-        <p:nvSpPr>
-          <p:cNvPr id="104" name="TextBox 103">
-            <a:extLst>
-              <a:ext uri="{FF2B5EF4-FFF2-40B4-BE49-F238E27FC236}">
-                <a16:creationId xmlns:a16="http://schemas.microsoft.com/office/drawing/2014/main" id="{CE1FB3A8-93FE-4299-BC8D-B6D262134779}"/>
-              </a:ext>
-            </a:extLst>
-          </p:cNvPr>
-          <p:cNvSpPr txBox="1"/>
-          <p:nvPr/>
-        </p:nvSpPr>
-        <p:spPr>
-          <a:xfrm>
-            <a:off x="3483089" y="2088568"/>
-            <a:ext cx="1632668" cy="400110"/>
-          </a:xfrm>
-          <a:prstGeom prst="rect">
-            <a:avLst/>
-          </a:prstGeom>
-          <a:noFill/>
-        </p:spPr>
-        <p:txBody>
-          <a:bodyPr wrap="square" rtlCol="0" anchor="ctr">
-            <a:spAutoFit/>
-          </a:bodyPr>
-          <a:lstStyle/>
-          <a:p>
-            <a:pPr algn="ctr"/>
-            <a:r>
-              <a:rPr lang="en-US" altLang="ko-KR" sz="1000"/>
-              <a:t>5) Deployment </a:t>
-            </a:r>
-          </a:p>
-          <a:p>
-            <a:pPr algn="ctr"/>
-            <a:r>
-              <a:rPr lang="en-US" altLang="ko-KR" sz="1000"/>
-              <a:t>Config</a:t>
-            </a:r>
-            <a:endParaRPr lang="ko-KR" altLang="en-US" sz="1000"/>
-          </a:p>
-        </p:txBody>
-      </p:sp>
-      <p:sp>
-        <p:nvSpPr>
-          <p:cNvPr id="106" name="TextBox 105">
-            <a:extLst>
-              <a:ext uri="{FF2B5EF4-FFF2-40B4-BE49-F238E27FC236}">
-                <a16:creationId xmlns:a16="http://schemas.microsoft.com/office/drawing/2014/main" id="{C34D3BA1-5615-4BFE-B127-90FFDD06B7B1}"/>
-              </a:ext>
-            </a:extLst>
-          </p:cNvPr>
-          <p:cNvSpPr txBox="1"/>
-          <p:nvPr/>
-        </p:nvSpPr>
-        <p:spPr>
-          <a:xfrm>
-            <a:off x="7016112" y="3443585"/>
-            <a:ext cx="1521400" cy="400110"/>
-          </a:xfrm>
-          <a:prstGeom prst="rect">
-            <a:avLst/>
-          </a:prstGeom>
-          <a:noFill/>
-        </p:spPr>
-        <p:txBody>
-          <a:bodyPr wrap="square" rtlCol="0" anchor="ctr">
-            <a:spAutoFit/>
-          </a:bodyPr>
-          <a:lstStyle/>
-          <a:p>
-            <a:pPr algn="ctr"/>
-            <a:r>
-              <a:rPr lang="en-US" altLang="ko-KR" sz="1000"/>
-              <a:t>8) Container </a:t>
-            </a:r>
-          </a:p>
-          <a:p>
-            <a:pPr algn="ctr"/>
-            <a:r>
-              <a:rPr lang="en-US" altLang="ko-KR" sz="1000"/>
-              <a:t>Image</a:t>
-            </a:r>
-            <a:endParaRPr lang="ko-KR" altLang="en-US" sz="1000"/>
-          </a:p>
-        </p:txBody>
-      </p:sp>
-      <p:sp>
-        <p:nvSpPr>
-          <p:cNvPr id="108" name="TextBox 107">
-            <a:extLst>
-              <a:ext uri="{FF2B5EF4-FFF2-40B4-BE49-F238E27FC236}">
-                <a16:creationId xmlns:a16="http://schemas.microsoft.com/office/drawing/2014/main" id="{CC0B63C2-1F7F-4EB7-8001-FED751EA0010}"/>
-              </a:ext>
-            </a:extLst>
-          </p:cNvPr>
-          <p:cNvSpPr txBox="1"/>
-          <p:nvPr/>
-        </p:nvSpPr>
-        <p:spPr>
-          <a:xfrm>
-            <a:off x="3212062" y="2631695"/>
-            <a:ext cx="1632668" cy="400110"/>
-          </a:xfrm>
-          <a:prstGeom prst="rect">
-            <a:avLst/>
-          </a:prstGeom>
-          <a:noFill/>
-        </p:spPr>
-        <p:txBody>
-          <a:bodyPr wrap="square" rtlCol="0" anchor="ctr">
-            <a:spAutoFit/>
-          </a:bodyPr>
-          <a:lstStyle/>
-          <a:p>
-            <a:pPr algn="ctr"/>
-            <a:r>
-              <a:rPr lang="en-US" altLang="ko-KR" sz="1000"/>
-              <a:t>6) Commit Hook &amp; Deployment Config</a:t>
-            </a:r>
-            <a:endParaRPr lang="ko-KR" altLang="en-US" sz="1000"/>
-          </a:p>
-        </p:txBody>
-      </p:sp>
-    </p:spTree>
-    <p:extLst>
-      <p:ext uri="{BB962C8B-B14F-4D97-AF65-F5344CB8AC3E}">
-        <p14:creationId xmlns:p14="http://schemas.microsoft.com/office/powerpoint/2010/main" val="3501367423"/>
       </p:ext>
     </p:extLst>
   </p:cSld>
